--- a/MidtermPresentation/Suhas - MidtermPresentation.pptx
+++ b/MidtermPresentation/Suhas - MidtermPresentation.pptx
@@ -17,8 +17,9 @@
     <p:sldId id="271" r:id="rId11"/>
     <p:sldId id="272" r:id="rId12"/>
     <p:sldId id="275" r:id="rId13"/>
-    <p:sldId id="264" r:id="rId14"/>
-    <p:sldId id="274" r:id="rId15"/>
+    <p:sldId id="276" r:id="rId14"/>
+    <p:sldId id="264" r:id="rId15"/>
+    <p:sldId id="274" r:id="rId16"/>
   </p:sldIdLst>
   <p:sldSz cx="12192000" cy="6858000"/>
   <p:notesSz cx="6858000" cy="9144000"/>
@@ -293,7 +294,7 @@
           <a:p>
             <a:fld id="{BC58CC46-0132-4CEE-ABDB-36235E875E40}" type="datetimeFigureOut">
               <a:rPr lang="en-US" smtClean="0"/>
-              <a:t>11/15/2016</a:t>
+              <a:t>11/15/16</a:t>
             </a:fld>
             <a:endParaRPr lang="en-US"/>
           </a:p>
@@ -521,7 +522,7 @@
           <a:p>
             <a:fld id="{BC58CC46-0132-4CEE-ABDB-36235E875E40}" type="datetimeFigureOut">
               <a:rPr lang="en-US" smtClean="0"/>
-              <a:t>11/15/2016</a:t>
+              <a:t>11/15/16</a:t>
             </a:fld>
             <a:endParaRPr lang="en-US"/>
           </a:p>
@@ -701,7 +702,7 @@
           <a:p>
             <a:fld id="{BC58CC46-0132-4CEE-ABDB-36235E875E40}" type="datetimeFigureOut">
               <a:rPr lang="en-US" smtClean="0"/>
-              <a:t>11/15/2016</a:t>
+              <a:t>11/15/16</a:t>
             </a:fld>
             <a:endParaRPr lang="en-US"/>
           </a:p>
@@ -871,7 +872,7 @@
           <a:p>
             <a:fld id="{BC58CC46-0132-4CEE-ABDB-36235E875E40}" type="datetimeFigureOut">
               <a:rPr lang="en-US" smtClean="0"/>
-              <a:t>11/15/2016</a:t>
+              <a:t>11/15/16</a:t>
             </a:fld>
             <a:endParaRPr lang="en-US"/>
           </a:p>
@@ -1125,7 +1126,7 @@
           <a:p>
             <a:fld id="{BC58CC46-0132-4CEE-ABDB-36235E875E40}" type="datetimeFigureOut">
               <a:rPr lang="en-US" smtClean="0"/>
-              <a:t>11/15/2016</a:t>
+              <a:t>11/15/16</a:t>
             </a:fld>
             <a:endParaRPr lang="en-US"/>
           </a:p>
@@ -1451,7 +1452,7 @@
           <a:p>
             <a:fld id="{BC58CC46-0132-4CEE-ABDB-36235E875E40}" type="datetimeFigureOut">
               <a:rPr lang="en-US" smtClean="0"/>
-              <a:t>11/15/2016</a:t>
+              <a:t>11/15/16</a:t>
             </a:fld>
             <a:endParaRPr lang="en-US"/>
           </a:p>
@@ -1902,7 +1903,7 @@
           <a:p>
             <a:fld id="{BC58CC46-0132-4CEE-ABDB-36235E875E40}" type="datetimeFigureOut">
               <a:rPr lang="en-US" smtClean="0"/>
-              <a:t>11/15/2016</a:t>
+              <a:t>11/15/16</a:t>
             </a:fld>
             <a:endParaRPr lang="en-US"/>
           </a:p>
@@ -2020,7 +2021,7 @@
           <a:p>
             <a:fld id="{BC58CC46-0132-4CEE-ABDB-36235E875E40}" type="datetimeFigureOut">
               <a:rPr lang="en-US" smtClean="0"/>
-              <a:t>11/15/2016</a:t>
+              <a:t>11/15/16</a:t>
             </a:fld>
             <a:endParaRPr lang="en-US"/>
           </a:p>
@@ -2115,7 +2116,7 @@
           <a:p>
             <a:fld id="{BC58CC46-0132-4CEE-ABDB-36235E875E40}" type="datetimeFigureOut">
               <a:rPr lang="en-US" smtClean="0"/>
-              <a:t>11/15/2016</a:t>
+              <a:t>11/15/16</a:t>
             </a:fld>
             <a:endParaRPr lang="en-US"/>
           </a:p>
@@ -2402,7 +2403,7 @@
           <a:p>
             <a:fld id="{BC58CC46-0132-4CEE-ABDB-36235E875E40}" type="datetimeFigureOut">
               <a:rPr lang="en-US" smtClean="0"/>
-              <a:t>11/15/2016</a:t>
+              <a:t>11/15/16</a:t>
             </a:fld>
             <a:endParaRPr lang="en-US"/>
           </a:p>
@@ -2724,7 +2725,7 @@
           <a:p>
             <a:fld id="{BC58CC46-0132-4CEE-ABDB-36235E875E40}" type="datetimeFigureOut">
               <a:rPr lang="en-US" smtClean="0"/>
-              <a:t>11/15/2016</a:t>
+              <a:t>11/15/16</a:t>
             </a:fld>
             <a:endParaRPr lang="en-US"/>
           </a:p>
@@ -2978,7 +2979,7 @@
           <a:p>
             <a:fld id="{BC58CC46-0132-4CEE-ABDB-36235E875E40}" type="datetimeFigureOut">
               <a:rPr lang="en-US" smtClean="0"/>
-              <a:t>11/15/2016</a:t>
+              <a:t>11/15/16</a:t>
             </a:fld>
             <a:endParaRPr lang="en-US"/>
           </a:p>
@@ -3648,7 +3649,7 @@
                       <m:fPr>
                         <m:ctrlPr>
                           <a:rPr lang="en-US" b="0" i="1" smtClean="0">
-                            <a:latin typeface="Cambria Math" panose="02040503050406030204" pitchFamily="18" charset="0"/>
+                            <a:latin typeface="Cambria Math" charset="0"/>
                           </a:rPr>
                         </m:ctrlPr>
                       </m:fPr>
@@ -4077,6 +4078,126 @@
           <a:p>
             <a:r>
               <a:rPr lang="en-US" dirty="0"/>
+              <a:t>Experiment for the Delay Amounts</a:t>
+            </a:r>
+          </a:p>
+        </p:txBody>
+      </p:sp>
+      <p:sp>
+        <p:nvSpPr>
+          <p:cNvPr id="3" name="Content Placeholder 2"/>
+          <p:cNvSpPr>
+            <a:spLocks noGrp="1"/>
+          </p:cNvSpPr>
+          <p:nvPr>
+            <p:ph idx="1"/>
+          </p:nvPr>
+        </p:nvSpPr>
+        <p:spPr/>
+        <p:txBody>
+          <a:bodyPr/>
+          <a:lstStyle/>
+          <a:p>
+            <a:r>
+              <a:rPr lang="en-US" dirty="0"/>
+              <a:t>Goal: Determine reasonable delay</a:t>
+            </a:r>
+          </a:p>
+          <a:p>
+            <a:pPr lvl="1"/>
+            <a:r>
+              <a:rPr lang="en-US" dirty="0"/>
+              <a:t>Delay governs when text is highlighted.</a:t>
+            </a:r>
+          </a:p>
+          <a:p>
+            <a:r>
+              <a:rPr lang="en-US" dirty="0"/>
+              <a:t>Setup various amounts of manual delay:</a:t>
+            </a:r>
+          </a:p>
+          <a:p>
+            <a:pPr lvl="1"/>
+            <a:r>
+              <a:rPr lang="en-US" dirty="0"/>
+              <a:t>Delay in milliseconds: 150, 250, 350, 500</a:t>
+            </a:r>
+          </a:p>
+          <a:p>
+            <a:r>
+              <a:rPr lang="en-US" dirty="0"/>
+              <a:t>Ask participants to read segment of text to determine the delay required to activate the text. </a:t>
+            </a:r>
+          </a:p>
+          <a:p>
+            <a:r>
+              <a:rPr lang="en-US" dirty="0"/>
+              <a:t>Participants rate user experience on likely scale of 1 to 5</a:t>
+            </a:r>
+          </a:p>
+          <a:p>
+            <a:pPr lvl="1"/>
+            <a:r>
+              <a:rPr lang="en-US" dirty="0"/>
+              <a:t>Require participants to provide feedback explaining choice of delay.</a:t>
+            </a:r>
+          </a:p>
+          <a:p>
+            <a:pPr lvl="1"/>
+            <a:r>
+              <a:rPr lang="en-US" dirty="0"/>
+              <a:t>Plan to choose average amount as acceptable delay.</a:t>
+            </a:r>
+          </a:p>
+        </p:txBody>
+      </p:sp>
+    </p:spTree>
+    <p:extLst>
+      <p:ext uri="{BB962C8B-B14F-4D97-AF65-F5344CB8AC3E}">
+        <p14:creationId xmlns:p14="http://schemas.microsoft.com/office/powerpoint/2010/main" val="1807274062"/>
+      </p:ext>
+    </p:extLst>
+  </p:cSld>
+  <p:clrMapOvr>
+    <a:masterClrMapping/>
+  </p:clrMapOvr>
+</p:sld>
+</file>
+
+<file path=ppt/slides/slide14.xml><?xml version="1.0" encoding="utf-8"?>
+<p:sld xmlns:a="http://schemas.openxmlformats.org/drawingml/2006/main" xmlns:r="http://schemas.openxmlformats.org/officeDocument/2006/relationships" xmlns:p="http://schemas.openxmlformats.org/presentationml/2006/main">
+  <p:cSld>
+    <p:spTree>
+      <p:nvGrpSpPr>
+        <p:cNvPr id="1" name=""/>
+        <p:cNvGrpSpPr/>
+        <p:nvPr/>
+      </p:nvGrpSpPr>
+      <p:grpSpPr>
+        <a:xfrm>
+          <a:off x="0" y="0"/>
+          <a:ext cx="0" cy="0"/>
+          <a:chOff x="0" y="0"/>
+          <a:chExt cx="0" cy="0"/>
+        </a:xfrm>
+      </p:grpSpPr>
+      <p:sp>
+        <p:nvSpPr>
+          <p:cNvPr id="2" name="Title 1"/>
+          <p:cNvSpPr>
+            <a:spLocks noGrp="1"/>
+          </p:cNvSpPr>
+          <p:nvPr>
+            <p:ph type="title"/>
+          </p:nvPr>
+        </p:nvSpPr>
+        <p:spPr/>
+        <p:txBody>
+          <a:bodyPr/>
+          <a:lstStyle/>
+          <a:p>
+            <a:r>
+              <a:rPr lang="en-US" dirty="0"/>
               <a:t>Demo</a:t>
             </a:r>
           </a:p>
@@ -4206,7 +4327,7 @@
 </p:sld>
 </file>
 
-<file path=ppt/slides/slide14.xml><?xml version="1.0" encoding="utf-8"?>
+<file path=ppt/slides/slide15.xml><?xml version="1.0" encoding="utf-8"?>
 <p:sld xmlns:a="http://schemas.openxmlformats.org/drawingml/2006/main" xmlns:r="http://schemas.openxmlformats.org/officeDocument/2006/relationships" xmlns:p="http://schemas.openxmlformats.org/presentationml/2006/main">
   <p:cSld>
     <p:spTree>
